--- a/web/g25/status/Køreprøven.pptx
+++ b/web/g25/status/Køreprøven.pptx
@@ -4121,12 +4121,12 @@
               <a:t> fredag den </a:t>
             </a:r>
             <a:r>
-              <a:rPr lang="da-DK" sz="1800" b="0" dirty="0">
+              <a:rPr lang="da-DK" sz="1800" b="0" dirty="0" smtClean="0">
                 <a:solidFill>
                   <a:srgbClr val="002060"/>
                 </a:solidFill>
               </a:rPr>
-              <a:t>8</a:t>
+              <a:t>7. </a:t>
             </a:r>
             <a:r>
               <a:rPr lang="da-DK" sz="1800" b="0" dirty="0" smtClean="0">
@@ -4134,7 +4134,7 @@
                   <a:srgbClr val="002060"/>
                 </a:solidFill>
               </a:rPr>
-              <a:t>. marts</a:t>
+              <a:t>marts</a:t>
             </a:r>
           </a:p>
           <a:p>
@@ -4161,7 +4161,15 @@
             </a:r>
             <a:r>
               <a:rPr lang="da-DK" sz="1800" b="0" dirty="0" smtClean="0"/>
-              <a:t> (inklusiv Quiz 1-4). Hvis der mangler opgaver fratrækkes 1,0 point pr opgave, der ikke er godkendt</a:t>
+              <a:t> (inklusiv Quiz </a:t>
+            </a:r>
+            <a:r>
+              <a:rPr lang="da-DK" sz="1800" b="0" dirty="0" smtClean="0"/>
+              <a:t>1-4 og de fire køreprøvesæt). </a:t>
+            </a:r>
+            <a:r>
+              <a:rPr lang="da-DK" sz="1800" b="0" dirty="0" smtClean="0"/>
+              <a:t>Hvis der mangler opgaver fratrækkes 1,0 point pr opgave, der ikke er godkendt</a:t>
             </a:r>
           </a:p>
           <a:p>
@@ -6301,7 +6309,23 @@
                   <a:srgbClr val="A50021"/>
                 </a:solidFill>
               </a:rPr>
-              <a:t> i kursets anden halvdel tæller med ved fastlæggelsen af den endelige karakter for kurset </a:t>
+              <a:t> i kursets anden halvdel tæller </a:t>
+            </a:r>
+            <a:r>
+              <a:rPr lang="da-DK" sz="1800" spc="-50" dirty="0" smtClean="0">
+                <a:solidFill>
+                  <a:srgbClr val="A50021"/>
+                </a:solidFill>
+              </a:rPr>
+              <a:t>25% </a:t>
+            </a:r>
+            <a:r>
+              <a:rPr lang="da-DK" sz="1800" spc="-50" dirty="0" smtClean="0">
+                <a:solidFill>
+                  <a:srgbClr val="A50021"/>
+                </a:solidFill>
+              </a:rPr>
+              <a:t>ved fastlæggelsen af den endelige karakter for kurset </a:t>
             </a:r>
           </a:p>
           <a:p>
@@ -6313,20 +6337,20 @@
               <a:buChar char="•"/>
             </a:pPr>
             <a:r>
-              <a:rPr lang="da-DK" sz="1800" spc="-50" dirty="0">
-                <a:solidFill>
-                  <a:srgbClr val="A50021"/>
-                </a:solidFill>
-              </a:rPr>
-              <a:t>H</a:t>
-            </a:r>
-            <a:r>
               <a:rPr lang="da-DK" sz="1800" spc="-50" dirty="0" smtClean="0">
                 <a:solidFill>
                   <a:srgbClr val="A50021"/>
                 </a:solidFill>
               </a:rPr>
-              <a:t>øje point kan trække en karakter op, mens lave point kan trække en karakter ned</a:t>
+              <a:t>I praksis betyder det, at høje </a:t>
+            </a:r>
+            <a:r>
+              <a:rPr lang="da-DK" sz="1800" spc="-50" dirty="0" smtClean="0">
+                <a:solidFill>
+                  <a:srgbClr val="A50021"/>
+                </a:solidFill>
+              </a:rPr>
+              <a:t>point kan trække en karakter op, mens lave point kan trække en karakter ned</a:t>
             </a:r>
           </a:p>
           <a:p>
@@ -6607,29 +6631,20 @@
               <a:rPr lang="da-DK" altLang="da-DK" sz="1800" noProof="0" dirty="0" smtClean="0">
                 <a:ea typeface="ＭＳ Ｐゴシック" pitchFamily="34" charset="-128"/>
               </a:rPr>
-              <a:t>) </a:t>
+              <a:t>) på siden ”Køreprøvesæt fra tidligere år” </a:t>
+            </a:r>
+            <a:r>
+              <a:rPr lang="da-DK" altLang="da-DK" sz="1800" noProof="0" smtClean="0">
+                <a:ea typeface="ＭＳ Ｐゴシック" pitchFamily="34" charset="-128"/>
+              </a:rPr>
+              <a:t>under ”Afleveringsopgaver</a:t>
             </a:r>
             <a:r>
               <a:rPr lang="da-DK" altLang="da-DK" sz="1800" noProof="0" dirty="0" smtClean="0">
                 <a:ea typeface="ＭＳ Ｐゴシック" pitchFamily="34" charset="-128"/>
               </a:rPr>
-              <a:t>på siden ”Køreprøvesæt fra tidligere år” </a:t>
-            </a:r>
-            <a:r>
-              <a:rPr lang="da-DK" altLang="da-DK" sz="1800" noProof="0" smtClean="0">
-                <a:ea typeface="ＭＳ Ｐゴシック" pitchFamily="34" charset="-128"/>
-              </a:rPr>
-              <a:t>under ”Afleveringsopgaver</a:t>
-            </a:r>
-            <a:r>
-              <a:rPr lang="da-DK" altLang="da-DK" sz="1800" noProof="0" dirty="0" smtClean="0">
-                <a:ea typeface="ＭＳ Ｐゴシック" pitchFamily="34" charset="-128"/>
-              </a:rPr>
               <a:t>”</a:t>
             </a:r>
-            <a:endParaRPr lang="da-DK" altLang="da-DK" sz="1800" noProof="0" dirty="0" smtClean="0">
-              <a:ea typeface="ＭＳ Ｐゴシック" pitchFamily="34" charset="-128"/>
-            </a:endParaRPr>
           </a:p>
           <a:p>
             <a:pPr lvl="1" eaLnBrk="1" hangingPunct="1">
